--- a/FoodStore.pptx
+++ b/FoodStore.pptx
@@ -11,6 +11,9 @@
     <p:sldId id="259" r:id="rId5"/>
     <p:sldId id="260" r:id="rId6"/>
     <p:sldId id="261" r:id="rId7"/>
+    <p:sldId id="262" r:id="rId8"/>
+    <p:sldId id="263" r:id="rId9"/>
+    <p:sldId id="264" r:id="rId10"/>
   </p:sldIdLst>
   <p:sldSz cx="12192000" cy="6858000"/>
   <p:notesSz cx="6858000" cy="9144000"/>
@@ -109,6 +112,11 @@
       </a:defRPr>
     </a:lvl9pPr>
   </p:defaultTextStyle>
+  <p:extLst>
+    <p:ext uri="{EFAFB233-063F-42B5-8137-9DF3F51BA10A}">
+      <p15:sldGuideLst xmlns:p15="http://schemas.microsoft.com/office/powerpoint/2012/main"/>
+    </p:ext>
+  </p:extLst>
 </p:presentation>
 </file>
 
@@ -259,7 +267,7 @@
           <a:p>
             <a:fld id="{70193B29-3B9D-4353-A702-E24F58C20D14}" type="datetimeFigureOut">
               <a:rPr lang="ru-RU" smtClean="0"/>
-              <a:t>06.10.2021</a:t>
+              <a:t>13.10.2021</a:t>
             </a:fld>
             <a:endParaRPr lang="ru-RU"/>
           </a:p>
@@ -457,7 +465,7 @@
           <a:p>
             <a:fld id="{70193B29-3B9D-4353-A702-E24F58C20D14}" type="datetimeFigureOut">
               <a:rPr lang="ru-RU" smtClean="0"/>
-              <a:t>06.10.2021</a:t>
+              <a:t>13.10.2021</a:t>
             </a:fld>
             <a:endParaRPr lang="ru-RU"/>
           </a:p>
@@ -665,7 +673,7 @@
           <a:p>
             <a:fld id="{70193B29-3B9D-4353-A702-E24F58C20D14}" type="datetimeFigureOut">
               <a:rPr lang="ru-RU" smtClean="0"/>
-              <a:t>06.10.2021</a:t>
+              <a:t>13.10.2021</a:t>
             </a:fld>
             <a:endParaRPr lang="ru-RU"/>
           </a:p>
@@ -863,7 +871,7 @@
           <a:p>
             <a:fld id="{70193B29-3B9D-4353-A702-E24F58C20D14}" type="datetimeFigureOut">
               <a:rPr lang="ru-RU" smtClean="0"/>
-              <a:t>06.10.2021</a:t>
+              <a:t>13.10.2021</a:t>
             </a:fld>
             <a:endParaRPr lang="ru-RU"/>
           </a:p>
@@ -1138,7 +1146,7 @@
           <a:p>
             <a:fld id="{70193B29-3B9D-4353-A702-E24F58C20D14}" type="datetimeFigureOut">
               <a:rPr lang="ru-RU" smtClean="0"/>
-              <a:t>06.10.2021</a:t>
+              <a:t>13.10.2021</a:t>
             </a:fld>
             <a:endParaRPr lang="ru-RU"/>
           </a:p>
@@ -1403,7 +1411,7 @@
           <a:p>
             <a:fld id="{70193B29-3B9D-4353-A702-E24F58C20D14}" type="datetimeFigureOut">
               <a:rPr lang="ru-RU" smtClean="0"/>
-              <a:t>06.10.2021</a:t>
+              <a:t>13.10.2021</a:t>
             </a:fld>
             <a:endParaRPr lang="ru-RU"/>
           </a:p>
@@ -1815,7 +1823,7 @@
           <a:p>
             <a:fld id="{70193B29-3B9D-4353-A702-E24F58C20D14}" type="datetimeFigureOut">
               <a:rPr lang="ru-RU" smtClean="0"/>
-              <a:t>06.10.2021</a:t>
+              <a:t>13.10.2021</a:t>
             </a:fld>
             <a:endParaRPr lang="ru-RU"/>
           </a:p>
@@ -1956,7 +1964,7 @@
           <a:p>
             <a:fld id="{70193B29-3B9D-4353-A702-E24F58C20D14}" type="datetimeFigureOut">
               <a:rPr lang="ru-RU" smtClean="0"/>
-              <a:t>06.10.2021</a:t>
+              <a:t>13.10.2021</a:t>
             </a:fld>
             <a:endParaRPr lang="ru-RU"/>
           </a:p>
@@ -2069,7 +2077,7 @@
           <a:p>
             <a:fld id="{70193B29-3B9D-4353-A702-E24F58C20D14}" type="datetimeFigureOut">
               <a:rPr lang="ru-RU" smtClean="0"/>
-              <a:t>06.10.2021</a:t>
+              <a:t>13.10.2021</a:t>
             </a:fld>
             <a:endParaRPr lang="ru-RU"/>
           </a:p>
@@ -2380,7 +2388,7 @@
           <a:p>
             <a:fld id="{70193B29-3B9D-4353-A702-E24F58C20D14}" type="datetimeFigureOut">
               <a:rPr lang="ru-RU" smtClean="0"/>
-              <a:t>06.10.2021</a:t>
+              <a:t>13.10.2021</a:t>
             </a:fld>
             <a:endParaRPr lang="ru-RU"/>
           </a:p>
@@ -2668,7 +2676,7 @@
           <a:p>
             <a:fld id="{70193B29-3B9D-4353-A702-E24F58C20D14}" type="datetimeFigureOut">
               <a:rPr lang="ru-RU" smtClean="0"/>
-              <a:t>06.10.2021</a:t>
+              <a:t>13.10.2021</a:t>
             </a:fld>
             <a:endParaRPr lang="ru-RU"/>
           </a:p>
@@ -2912,7 +2920,7 @@
           <a:p>
             <a:fld id="{70193B29-3B9D-4353-A702-E24F58C20D14}" type="datetimeFigureOut">
               <a:rPr lang="ru-RU" smtClean="0"/>
-              <a:t>06.10.2021</a:t>
+              <a:t>13.10.2021</a:t>
             </a:fld>
             <a:endParaRPr lang="ru-RU"/>
           </a:p>
@@ -4215,6 +4223,323 @@
 </p:sld>
 </file>
 
+<file path=ppt/slides/slide7.xml><?xml version="1.0" encoding="utf-8"?>
+<p:sld xmlns:a="http://schemas.openxmlformats.org/drawingml/2006/main" xmlns:r="http://schemas.openxmlformats.org/officeDocument/2006/relationships" xmlns:p="http://schemas.openxmlformats.org/presentationml/2006/main">
+  <p:cSld>
+    <p:spTree>
+      <p:nvGrpSpPr>
+        <p:cNvPr id="1" name=""/>
+        <p:cNvGrpSpPr/>
+        <p:nvPr/>
+      </p:nvGrpSpPr>
+      <p:grpSpPr>
+        <a:xfrm>
+          <a:off x="0" y="0"/>
+          <a:ext cx="0" cy="0"/>
+          <a:chOff x="0" y="0"/>
+          <a:chExt cx="0" cy="0"/>
+        </a:xfrm>
+      </p:grpSpPr>
+      <p:pic>
+        <p:nvPicPr>
+          <p:cNvPr id="3" name="Рисунок 2">
+            <a:extLst>
+              <a:ext uri="{FF2B5EF4-FFF2-40B4-BE49-F238E27FC236}">
+                <a16:creationId xmlns:a16="http://schemas.microsoft.com/office/drawing/2014/main" id="{10025439-1820-4FBC-94BA-1E89BC07CA9F}"/>
+              </a:ext>
+            </a:extLst>
+          </p:cNvPr>
+          <p:cNvPicPr>
+            <a:picLocks noChangeAspect="1"/>
+          </p:cNvPicPr>
+          <p:nvPr/>
+        </p:nvPicPr>
+        <p:blipFill>
+          <a:blip r:embed="rId2"/>
+          <a:stretch>
+            <a:fillRect/>
+          </a:stretch>
+        </p:blipFill>
+        <p:spPr>
+          <a:xfrm>
+            <a:off x="801857" y="1445389"/>
+            <a:ext cx="10588284" cy="5060920"/>
+          </a:xfrm>
+          <a:prstGeom prst="rect">
+            <a:avLst/>
+          </a:prstGeom>
+        </p:spPr>
+      </p:pic>
+      <p:sp>
+        <p:nvSpPr>
+          <p:cNvPr id="5" name="TextBox 4">
+            <a:extLst>
+              <a:ext uri="{FF2B5EF4-FFF2-40B4-BE49-F238E27FC236}">
+                <a16:creationId xmlns:a16="http://schemas.microsoft.com/office/drawing/2014/main" id="{E3BDDF37-A03A-4572-90DA-23D5035612A1}"/>
+              </a:ext>
+            </a:extLst>
+          </p:cNvPr>
+          <p:cNvSpPr txBox="1"/>
+          <p:nvPr/>
+        </p:nvSpPr>
+        <p:spPr>
+          <a:xfrm>
+            <a:off x="3255318" y="351691"/>
+            <a:ext cx="5681362" cy="461665"/>
+          </a:xfrm>
+          <a:prstGeom prst="rect">
+            <a:avLst/>
+          </a:prstGeom>
+          <a:noFill/>
+        </p:spPr>
+        <p:txBody>
+          <a:bodyPr wrap="none" rtlCol="0">
+            <a:spAutoFit/>
+          </a:bodyPr>
+          <a:lstStyle/>
+          <a:p>
+            <a:pPr algn="ctr"/>
+            <a:r>
+              <a:rPr lang="en-US" sz="2400" dirty="0">
+                <a:solidFill>
+                  <a:schemeClr val="bg1"/>
+                </a:solidFill>
+                <a:latin typeface="Times New Roman" panose="02020603050405020304" pitchFamily="18" charset="0"/>
+                <a:cs typeface="Times New Roman" panose="02020603050405020304" pitchFamily="18" charset="0"/>
+              </a:rPr>
+              <a:t>In admin panel I have table with all products</a:t>
+            </a:r>
+            <a:endParaRPr lang="ru-RU" sz="2400" dirty="0">
+              <a:solidFill>
+                <a:schemeClr val="bg1"/>
+              </a:solidFill>
+              <a:latin typeface="Times New Roman" panose="02020603050405020304" pitchFamily="18" charset="0"/>
+              <a:cs typeface="Times New Roman" panose="02020603050405020304" pitchFamily="18" charset="0"/>
+            </a:endParaRPr>
+          </a:p>
+        </p:txBody>
+      </p:sp>
+    </p:spTree>
+    <p:extLst>
+      <p:ext uri="{BB962C8B-B14F-4D97-AF65-F5344CB8AC3E}">
+        <p14:creationId xmlns:p14="http://schemas.microsoft.com/office/powerpoint/2010/main" val="3497516268"/>
+      </p:ext>
+    </p:extLst>
+  </p:cSld>
+  <p:clrMapOvr>
+    <a:masterClrMapping/>
+  </p:clrMapOvr>
+</p:sld>
+</file>
+
+<file path=ppt/slides/slide8.xml><?xml version="1.0" encoding="utf-8"?>
+<p:sld xmlns:a="http://schemas.openxmlformats.org/drawingml/2006/main" xmlns:r="http://schemas.openxmlformats.org/officeDocument/2006/relationships" xmlns:p="http://schemas.openxmlformats.org/presentationml/2006/main">
+  <p:cSld>
+    <p:spTree>
+      <p:nvGrpSpPr>
+        <p:cNvPr id="1" name=""/>
+        <p:cNvGrpSpPr/>
+        <p:nvPr/>
+      </p:nvGrpSpPr>
+      <p:grpSpPr>
+        <a:xfrm>
+          <a:off x="0" y="0"/>
+          <a:ext cx="0" cy="0"/>
+          <a:chOff x="0" y="0"/>
+          <a:chExt cx="0" cy="0"/>
+        </a:xfrm>
+      </p:grpSpPr>
+      <p:pic>
+        <p:nvPicPr>
+          <p:cNvPr id="3" name="Рисунок 2">
+            <a:extLst>
+              <a:ext uri="{FF2B5EF4-FFF2-40B4-BE49-F238E27FC236}">
+                <a16:creationId xmlns:a16="http://schemas.microsoft.com/office/drawing/2014/main" id="{70A3DF49-412F-40BA-936A-C615F7405864}"/>
+              </a:ext>
+            </a:extLst>
+          </p:cNvPr>
+          <p:cNvPicPr>
+            <a:picLocks noChangeAspect="1"/>
+          </p:cNvPicPr>
+          <p:nvPr/>
+        </p:nvPicPr>
+        <p:blipFill>
+          <a:blip r:embed="rId2"/>
+          <a:stretch>
+            <a:fillRect/>
+          </a:stretch>
+        </p:blipFill>
+        <p:spPr>
+          <a:xfrm>
+            <a:off x="495300" y="1225794"/>
+            <a:ext cx="11201400" cy="5391150"/>
+          </a:xfrm>
+          <a:prstGeom prst="rect">
+            <a:avLst/>
+          </a:prstGeom>
+        </p:spPr>
+      </p:pic>
+      <p:sp>
+        <p:nvSpPr>
+          <p:cNvPr id="4" name="TextBox 3">
+            <a:extLst>
+              <a:ext uri="{FF2B5EF4-FFF2-40B4-BE49-F238E27FC236}">
+                <a16:creationId xmlns:a16="http://schemas.microsoft.com/office/drawing/2014/main" id="{4240E972-DF67-437D-8118-00214DBEB5DF}"/>
+              </a:ext>
+            </a:extLst>
+          </p:cNvPr>
+          <p:cNvSpPr txBox="1"/>
+          <p:nvPr/>
+        </p:nvSpPr>
+        <p:spPr>
+          <a:xfrm>
+            <a:off x="4851621" y="241056"/>
+            <a:ext cx="2488758" cy="646331"/>
+          </a:xfrm>
+          <a:prstGeom prst="rect">
+            <a:avLst/>
+          </a:prstGeom>
+          <a:noFill/>
+        </p:spPr>
+        <p:txBody>
+          <a:bodyPr wrap="none" rtlCol="0">
+            <a:spAutoFit/>
+          </a:bodyPr>
+          <a:lstStyle/>
+          <a:p>
+            <a:r>
+              <a:rPr lang="en-US" sz="3600" dirty="0">
+                <a:solidFill>
+                  <a:schemeClr val="bg1"/>
+                </a:solidFill>
+              </a:rPr>
+              <a:t>Product edit</a:t>
+            </a:r>
+            <a:endParaRPr lang="ru-RU" sz="3600" dirty="0">
+              <a:solidFill>
+                <a:schemeClr val="bg1"/>
+              </a:solidFill>
+            </a:endParaRPr>
+          </a:p>
+        </p:txBody>
+      </p:sp>
+    </p:spTree>
+    <p:extLst>
+      <p:ext uri="{BB962C8B-B14F-4D97-AF65-F5344CB8AC3E}">
+        <p14:creationId xmlns:p14="http://schemas.microsoft.com/office/powerpoint/2010/main" val="1218235188"/>
+      </p:ext>
+    </p:extLst>
+  </p:cSld>
+  <p:clrMapOvr>
+    <a:masterClrMapping/>
+  </p:clrMapOvr>
+</p:sld>
+</file>
+
+<file path=ppt/slides/slide9.xml><?xml version="1.0" encoding="utf-8"?>
+<p:sld xmlns:a="http://schemas.openxmlformats.org/drawingml/2006/main" xmlns:r="http://schemas.openxmlformats.org/officeDocument/2006/relationships" xmlns:p="http://schemas.openxmlformats.org/presentationml/2006/main">
+  <p:cSld>
+    <p:spTree>
+      <p:nvGrpSpPr>
+        <p:cNvPr id="1" name=""/>
+        <p:cNvGrpSpPr/>
+        <p:nvPr/>
+      </p:nvGrpSpPr>
+      <p:grpSpPr>
+        <a:xfrm>
+          <a:off x="0" y="0"/>
+          <a:ext cx="0" cy="0"/>
+          <a:chOff x="0" y="0"/>
+          <a:chExt cx="0" cy="0"/>
+        </a:xfrm>
+      </p:grpSpPr>
+      <p:pic>
+        <p:nvPicPr>
+          <p:cNvPr id="3" name="Рисунок 2">
+            <a:extLst>
+              <a:ext uri="{FF2B5EF4-FFF2-40B4-BE49-F238E27FC236}">
+                <a16:creationId xmlns:a16="http://schemas.microsoft.com/office/drawing/2014/main" id="{982C1570-4104-421D-BF05-86CCE721058F}"/>
+              </a:ext>
+            </a:extLst>
+          </p:cNvPr>
+          <p:cNvPicPr>
+            <a:picLocks noChangeAspect="1"/>
+          </p:cNvPicPr>
+          <p:nvPr/>
+        </p:nvPicPr>
+        <p:blipFill>
+          <a:blip r:embed="rId2"/>
+          <a:stretch>
+            <a:fillRect/>
+          </a:stretch>
+        </p:blipFill>
+        <p:spPr>
+          <a:xfrm>
+            <a:off x="400050" y="1032949"/>
+            <a:ext cx="11391900" cy="5467350"/>
+          </a:xfrm>
+          <a:prstGeom prst="rect">
+            <a:avLst/>
+          </a:prstGeom>
+        </p:spPr>
+      </p:pic>
+      <p:sp>
+        <p:nvSpPr>
+          <p:cNvPr id="4" name="TextBox 3">
+            <a:extLst>
+              <a:ext uri="{FF2B5EF4-FFF2-40B4-BE49-F238E27FC236}">
+                <a16:creationId xmlns:a16="http://schemas.microsoft.com/office/drawing/2014/main" id="{0066A4A7-6844-47C1-BE4E-0B2927C728BF}"/>
+              </a:ext>
+            </a:extLst>
+          </p:cNvPr>
+          <p:cNvSpPr txBox="1"/>
+          <p:nvPr/>
+        </p:nvSpPr>
+        <p:spPr>
+          <a:xfrm>
+            <a:off x="3891133" y="357701"/>
+            <a:ext cx="4409733" cy="523220"/>
+          </a:xfrm>
+          <a:prstGeom prst="rect">
+            <a:avLst/>
+          </a:prstGeom>
+          <a:noFill/>
+        </p:spPr>
+        <p:txBody>
+          <a:bodyPr wrap="none" rtlCol="0">
+            <a:spAutoFit/>
+          </a:bodyPr>
+          <a:lstStyle/>
+          <a:p>
+            <a:r>
+              <a:rPr lang="en-US" sz="2800" dirty="0">
+                <a:solidFill>
+                  <a:schemeClr val="bg1"/>
+                </a:solidFill>
+              </a:rPr>
+              <a:t>Create and edit all categories</a:t>
+            </a:r>
+            <a:endParaRPr lang="ru-RU" sz="2800" dirty="0">
+              <a:solidFill>
+                <a:schemeClr val="bg1"/>
+              </a:solidFill>
+            </a:endParaRPr>
+          </a:p>
+        </p:txBody>
+      </p:sp>
+    </p:spTree>
+    <p:extLst>
+      <p:ext uri="{BB962C8B-B14F-4D97-AF65-F5344CB8AC3E}">
+        <p14:creationId xmlns:p14="http://schemas.microsoft.com/office/powerpoint/2010/main" val="2277533489"/>
+      </p:ext>
+    </p:extLst>
+  </p:cSld>
+  <p:clrMapOvr>
+    <a:masterClrMapping/>
+  </p:clrMapOvr>
+</p:sld>
+</file>
+
 <file path=ppt/theme/theme1.xml><?xml version="1.0" encoding="utf-8"?>
 <a:theme xmlns:a="http://schemas.openxmlformats.org/drawingml/2006/main" name="Тема Office">
   <a:themeElements>

--- a/FoodStore.pptx
+++ b/FoodStore.pptx
@@ -6,14 +6,15 @@
   </p:sldMasterIdLst>
   <p:sldIdLst>
     <p:sldId id="256" r:id="rId2"/>
-    <p:sldId id="257" r:id="rId3"/>
-    <p:sldId id="258" r:id="rId4"/>
-    <p:sldId id="259" r:id="rId5"/>
-    <p:sldId id="260" r:id="rId6"/>
-    <p:sldId id="261" r:id="rId7"/>
-    <p:sldId id="262" r:id="rId8"/>
-    <p:sldId id="263" r:id="rId9"/>
-    <p:sldId id="264" r:id="rId10"/>
+    <p:sldId id="265" r:id="rId3"/>
+    <p:sldId id="257" r:id="rId4"/>
+    <p:sldId id="258" r:id="rId5"/>
+    <p:sldId id="259" r:id="rId6"/>
+    <p:sldId id="260" r:id="rId7"/>
+    <p:sldId id="261" r:id="rId8"/>
+    <p:sldId id="262" r:id="rId9"/>
+    <p:sldId id="263" r:id="rId10"/>
+    <p:sldId id="264" r:id="rId11"/>
   </p:sldIdLst>
   <p:sldSz cx="12192000" cy="6858000"/>
   <p:notesSz cx="6858000" cy="9144000"/>
@@ -3452,7 +3453,299 @@
 </p:sld>
 </file>
 
+<file path=ppt/slides/slide10.xml><?xml version="1.0" encoding="utf-8"?>
+<p:sld xmlns:a="http://schemas.openxmlformats.org/drawingml/2006/main" xmlns:r="http://schemas.openxmlformats.org/officeDocument/2006/relationships" xmlns:p="http://schemas.openxmlformats.org/presentationml/2006/main">
+  <p:cSld>
+    <p:spTree>
+      <p:nvGrpSpPr>
+        <p:cNvPr id="1" name=""/>
+        <p:cNvGrpSpPr/>
+        <p:nvPr/>
+      </p:nvGrpSpPr>
+      <p:grpSpPr>
+        <a:xfrm>
+          <a:off x="0" y="0"/>
+          <a:ext cx="0" cy="0"/>
+          <a:chOff x="0" y="0"/>
+          <a:chExt cx="0" cy="0"/>
+        </a:xfrm>
+      </p:grpSpPr>
+      <p:pic>
+        <p:nvPicPr>
+          <p:cNvPr id="3" name="Рисунок 2">
+            <a:extLst>
+              <a:ext uri="{FF2B5EF4-FFF2-40B4-BE49-F238E27FC236}">
+                <a16:creationId xmlns:a16="http://schemas.microsoft.com/office/drawing/2014/main" id="{982C1570-4104-421D-BF05-86CCE721058F}"/>
+              </a:ext>
+            </a:extLst>
+          </p:cNvPr>
+          <p:cNvPicPr>
+            <a:picLocks noChangeAspect="1"/>
+          </p:cNvPicPr>
+          <p:nvPr/>
+        </p:nvPicPr>
+        <p:blipFill>
+          <a:blip r:embed="rId2"/>
+          <a:stretch>
+            <a:fillRect/>
+          </a:stretch>
+        </p:blipFill>
+        <p:spPr>
+          <a:xfrm>
+            <a:off x="400050" y="1032949"/>
+            <a:ext cx="11391900" cy="5467350"/>
+          </a:xfrm>
+          <a:prstGeom prst="rect">
+            <a:avLst/>
+          </a:prstGeom>
+        </p:spPr>
+      </p:pic>
+      <p:sp>
+        <p:nvSpPr>
+          <p:cNvPr id="4" name="TextBox 3">
+            <a:extLst>
+              <a:ext uri="{FF2B5EF4-FFF2-40B4-BE49-F238E27FC236}">
+                <a16:creationId xmlns:a16="http://schemas.microsoft.com/office/drawing/2014/main" id="{0066A4A7-6844-47C1-BE4E-0B2927C728BF}"/>
+              </a:ext>
+            </a:extLst>
+          </p:cNvPr>
+          <p:cNvSpPr txBox="1"/>
+          <p:nvPr/>
+        </p:nvSpPr>
+        <p:spPr>
+          <a:xfrm>
+            <a:off x="3891133" y="357701"/>
+            <a:ext cx="4409733" cy="523220"/>
+          </a:xfrm>
+          <a:prstGeom prst="rect">
+            <a:avLst/>
+          </a:prstGeom>
+          <a:noFill/>
+        </p:spPr>
+        <p:txBody>
+          <a:bodyPr wrap="none" rtlCol="0">
+            <a:spAutoFit/>
+          </a:bodyPr>
+          <a:lstStyle/>
+          <a:p>
+            <a:r>
+              <a:rPr lang="en-US" sz="2800" dirty="0">
+                <a:solidFill>
+                  <a:schemeClr val="bg1"/>
+                </a:solidFill>
+              </a:rPr>
+              <a:t>Create and edit all categories</a:t>
+            </a:r>
+            <a:endParaRPr lang="ru-RU" sz="2800" dirty="0">
+              <a:solidFill>
+                <a:schemeClr val="bg1"/>
+              </a:solidFill>
+            </a:endParaRPr>
+          </a:p>
+        </p:txBody>
+      </p:sp>
+    </p:spTree>
+    <p:extLst>
+      <p:ext uri="{BB962C8B-B14F-4D97-AF65-F5344CB8AC3E}">
+        <p14:creationId xmlns:p14="http://schemas.microsoft.com/office/powerpoint/2010/main" val="2277533489"/>
+      </p:ext>
+    </p:extLst>
+  </p:cSld>
+  <p:clrMapOvr>
+    <a:masterClrMapping/>
+  </p:clrMapOvr>
+</p:sld>
+</file>
+
 <file path=ppt/slides/slide2.xml><?xml version="1.0" encoding="utf-8"?>
+<p:sld xmlns:a="http://schemas.openxmlformats.org/drawingml/2006/main" xmlns:r="http://schemas.openxmlformats.org/officeDocument/2006/relationships" xmlns:p="http://schemas.openxmlformats.org/presentationml/2006/main">
+  <p:cSld>
+    <p:spTree>
+      <p:nvGrpSpPr>
+        <p:cNvPr id="1" name=""/>
+        <p:cNvGrpSpPr/>
+        <p:nvPr/>
+      </p:nvGrpSpPr>
+      <p:grpSpPr>
+        <a:xfrm>
+          <a:off x="0" y="0"/>
+          <a:ext cx="0" cy="0"/>
+          <a:chOff x="0" y="0"/>
+          <a:chExt cx="0" cy="0"/>
+        </a:xfrm>
+      </p:grpSpPr>
+      <p:sp>
+        <p:nvSpPr>
+          <p:cNvPr id="2" name="Заголовок 1">
+            <a:extLst>
+              <a:ext uri="{FF2B5EF4-FFF2-40B4-BE49-F238E27FC236}">
+                <a16:creationId xmlns:a16="http://schemas.microsoft.com/office/drawing/2014/main" id="{97C9CAA6-AEAE-4C98-A8F4-AE5AE9FD8413}"/>
+              </a:ext>
+            </a:extLst>
+          </p:cNvPr>
+          <p:cNvSpPr>
+            <a:spLocks noGrp="1"/>
+          </p:cNvSpPr>
+          <p:nvPr>
+            <p:ph type="title"/>
+          </p:nvPr>
+        </p:nvSpPr>
+        <p:spPr>
+          <a:xfrm>
+            <a:off x="0" y="294787"/>
+            <a:ext cx="10515600" cy="1325563"/>
+          </a:xfrm>
+        </p:spPr>
+        <p:txBody>
+          <a:bodyPr/>
+          <a:lstStyle/>
+          <a:p>
+            <a:pPr algn="ctr"/>
+            <a:r>
+              <a:rPr lang="en-US" b="1" dirty="0">
+                <a:solidFill>
+                  <a:schemeClr val="bg1"/>
+                </a:solidFill>
+                <a:latin typeface="Times New Roman" panose="02020603050405020304" pitchFamily="18" charset="0"/>
+                <a:cs typeface="Times New Roman" panose="02020603050405020304" pitchFamily="18" charset="0"/>
+              </a:rPr>
+              <a:t>About project</a:t>
+            </a:r>
+            <a:endParaRPr lang="ru-RU" b="1" dirty="0">
+              <a:solidFill>
+                <a:schemeClr val="bg1"/>
+              </a:solidFill>
+              <a:latin typeface="Times New Roman" panose="02020603050405020304" pitchFamily="18" charset="0"/>
+              <a:cs typeface="Times New Roman" panose="02020603050405020304" pitchFamily="18" charset="0"/>
+            </a:endParaRPr>
+          </a:p>
+        </p:txBody>
+      </p:sp>
+      <p:pic>
+        <p:nvPicPr>
+          <p:cNvPr id="5" name="Рисунок 4">
+            <a:extLst>
+              <a:ext uri="{FF2B5EF4-FFF2-40B4-BE49-F238E27FC236}">
+                <a16:creationId xmlns:a16="http://schemas.microsoft.com/office/drawing/2014/main" id="{7197F312-D903-4539-8DE9-1D18F1A042B8}"/>
+              </a:ext>
+            </a:extLst>
+          </p:cNvPr>
+          <p:cNvPicPr>
+            <a:picLocks noChangeAspect="1"/>
+          </p:cNvPicPr>
+          <p:nvPr/>
+        </p:nvPicPr>
+        <p:blipFill>
+          <a:blip r:embed="rId2">
+            <a:extLst>
+              <a:ext uri="{28A0092B-C50C-407E-A947-70E740481C1C}">
+                <a14:useLocalDpi xmlns:a14="http://schemas.microsoft.com/office/drawing/2010/main" val="0"/>
+              </a:ext>
+            </a:extLst>
+          </a:blip>
+          <a:stretch>
+            <a:fillRect/>
+          </a:stretch>
+        </p:blipFill>
+        <p:spPr>
+          <a:xfrm>
+            <a:off x="9270610" y="294787"/>
+            <a:ext cx="2091396" cy="2091396"/>
+          </a:xfrm>
+          <a:prstGeom prst="rect">
+            <a:avLst/>
+          </a:prstGeom>
+        </p:spPr>
+      </p:pic>
+      <p:sp>
+        <p:nvSpPr>
+          <p:cNvPr id="7" name="TextBox 6">
+            <a:extLst>
+              <a:ext uri="{FF2B5EF4-FFF2-40B4-BE49-F238E27FC236}">
+                <a16:creationId xmlns:a16="http://schemas.microsoft.com/office/drawing/2014/main" id="{47C27C04-7B46-4E8D-A766-51D5FB571BB2}"/>
+              </a:ext>
+            </a:extLst>
+          </p:cNvPr>
+          <p:cNvSpPr txBox="1"/>
+          <p:nvPr/>
+        </p:nvSpPr>
+        <p:spPr>
+          <a:xfrm>
+            <a:off x="1444283" y="3165230"/>
+            <a:ext cx="8848579" cy="2554545"/>
+          </a:xfrm>
+          <a:prstGeom prst="rect">
+            <a:avLst/>
+          </a:prstGeom>
+          <a:noFill/>
+        </p:spPr>
+        <p:txBody>
+          <a:bodyPr wrap="square" rtlCol="0">
+            <a:spAutoFit/>
+          </a:bodyPr>
+          <a:lstStyle/>
+          <a:p>
+            <a:r>
+              <a:rPr lang="en-US" sz="4000" dirty="0">
+                <a:solidFill>
+                  <a:schemeClr val="bg1"/>
+                </a:solidFill>
+                <a:latin typeface="Times New Roman" panose="02020603050405020304" pitchFamily="18" charset="0"/>
+                <a:cs typeface="Times New Roman" panose="02020603050405020304" pitchFamily="18" charset="0"/>
+              </a:rPr>
+              <a:t>Purpose of project </a:t>
+            </a:r>
+            <a:r>
+              <a:rPr lang="en-US" sz="4000" dirty="0" err="1">
+                <a:solidFill>
+                  <a:schemeClr val="bg1"/>
+                </a:solidFill>
+                <a:latin typeface="Times New Roman" panose="02020603050405020304" pitchFamily="18" charset="0"/>
+                <a:cs typeface="Times New Roman" panose="02020603050405020304" pitchFamily="18" charset="0"/>
+              </a:rPr>
+              <a:t>foodstore</a:t>
+            </a:r>
+            <a:r>
+              <a:rPr lang="en-US" sz="4000" dirty="0">
+                <a:solidFill>
+                  <a:schemeClr val="bg1"/>
+                </a:solidFill>
+                <a:latin typeface="Times New Roman" panose="02020603050405020304" pitchFamily="18" charset="0"/>
+                <a:cs typeface="Times New Roman" panose="02020603050405020304" pitchFamily="18" charset="0"/>
+              </a:rPr>
+              <a:t> is aggregator of prices different menus each companies added to site</a:t>
+            </a:r>
+            <a:endParaRPr lang="ru-RU" sz="4000" dirty="0">
+              <a:solidFill>
+                <a:schemeClr val="bg1"/>
+              </a:solidFill>
+              <a:latin typeface="Times New Roman" panose="02020603050405020304" pitchFamily="18" charset="0"/>
+              <a:cs typeface="Times New Roman" panose="02020603050405020304" pitchFamily="18" charset="0"/>
+            </a:endParaRPr>
+          </a:p>
+          <a:p>
+            <a:endParaRPr lang="ru-RU" sz="4000" dirty="0">
+              <a:solidFill>
+                <a:schemeClr val="bg1"/>
+              </a:solidFill>
+            </a:endParaRPr>
+          </a:p>
+        </p:txBody>
+      </p:sp>
+    </p:spTree>
+    <p:extLst>
+      <p:ext uri="{BB962C8B-B14F-4D97-AF65-F5344CB8AC3E}">
+        <p14:creationId xmlns:p14="http://schemas.microsoft.com/office/powerpoint/2010/main" val="2297576582"/>
+      </p:ext>
+    </p:extLst>
+  </p:cSld>
+  <p:clrMapOvr>
+    <a:masterClrMapping/>
+  </p:clrMapOvr>
+</p:sld>
+</file>
+
+<file path=ppt/slides/slide3.xml><?xml version="1.0" encoding="utf-8"?>
 <p:sld xmlns:a="http://schemas.openxmlformats.org/drawingml/2006/main" xmlns:r="http://schemas.openxmlformats.org/officeDocument/2006/relationships" xmlns:p="http://schemas.openxmlformats.org/presentationml/2006/main">
   <p:cSld>
     <p:spTree>
@@ -3673,7 +3966,7 @@
 </p:sld>
 </file>
 
-<file path=ppt/slides/slide3.xml><?xml version="1.0" encoding="utf-8"?>
+<file path=ppt/slides/slide4.xml><?xml version="1.0" encoding="utf-8"?>
 <p:sld xmlns:a="http://schemas.openxmlformats.org/drawingml/2006/main" xmlns:r="http://schemas.openxmlformats.org/officeDocument/2006/relationships" xmlns:p="http://schemas.openxmlformats.org/presentationml/2006/main">
   <p:cSld>
     <p:spTree>
@@ -3798,7 +4091,7 @@
 </p:sld>
 </file>
 
-<file path=ppt/slides/slide4.xml><?xml version="1.0" encoding="utf-8"?>
+<file path=ppt/slides/slide5.xml><?xml version="1.0" encoding="utf-8"?>
 <p:sld xmlns:a="http://schemas.openxmlformats.org/drawingml/2006/main" xmlns:r="http://schemas.openxmlformats.org/officeDocument/2006/relationships" xmlns:p="http://schemas.openxmlformats.org/presentationml/2006/main">
   <p:cSld>
     <p:spTree>
@@ -3913,7 +4206,7 @@
 </p:sld>
 </file>
 
-<file path=ppt/slides/slide5.xml><?xml version="1.0" encoding="utf-8"?>
+<file path=ppt/slides/slide6.xml><?xml version="1.0" encoding="utf-8"?>
 <p:sld xmlns:a="http://schemas.openxmlformats.org/drawingml/2006/main" xmlns:r="http://schemas.openxmlformats.org/officeDocument/2006/relationships" xmlns:p="http://schemas.openxmlformats.org/presentationml/2006/main">
   <p:cSld>
     <p:spTree>
@@ -4038,7 +4331,7 @@
 </p:sld>
 </file>
 
-<file path=ppt/slides/slide6.xml><?xml version="1.0" encoding="utf-8"?>
+<file path=ppt/slides/slide7.xml><?xml version="1.0" encoding="utf-8"?>
 <p:sld xmlns:a="http://schemas.openxmlformats.org/drawingml/2006/main" xmlns:r="http://schemas.openxmlformats.org/officeDocument/2006/relationships" xmlns:p="http://schemas.openxmlformats.org/presentationml/2006/main">
   <p:cSld>
     <p:spTree>
@@ -4214,115 +4507,6 @@
     <p:extLst>
       <p:ext uri="{BB962C8B-B14F-4D97-AF65-F5344CB8AC3E}">
         <p14:creationId xmlns:p14="http://schemas.microsoft.com/office/powerpoint/2010/main" val="159569942"/>
-      </p:ext>
-    </p:extLst>
-  </p:cSld>
-  <p:clrMapOvr>
-    <a:masterClrMapping/>
-  </p:clrMapOvr>
-</p:sld>
-</file>
-
-<file path=ppt/slides/slide7.xml><?xml version="1.0" encoding="utf-8"?>
-<p:sld xmlns:a="http://schemas.openxmlformats.org/drawingml/2006/main" xmlns:r="http://schemas.openxmlformats.org/officeDocument/2006/relationships" xmlns:p="http://schemas.openxmlformats.org/presentationml/2006/main">
-  <p:cSld>
-    <p:spTree>
-      <p:nvGrpSpPr>
-        <p:cNvPr id="1" name=""/>
-        <p:cNvGrpSpPr/>
-        <p:nvPr/>
-      </p:nvGrpSpPr>
-      <p:grpSpPr>
-        <a:xfrm>
-          <a:off x="0" y="0"/>
-          <a:ext cx="0" cy="0"/>
-          <a:chOff x="0" y="0"/>
-          <a:chExt cx="0" cy="0"/>
-        </a:xfrm>
-      </p:grpSpPr>
-      <p:pic>
-        <p:nvPicPr>
-          <p:cNvPr id="3" name="Рисунок 2">
-            <a:extLst>
-              <a:ext uri="{FF2B5EF4-FFF2-40B4-BE49-F238E27FC236}">
-                <a16:creationId xmlns:a16="http://schemas.microsoft.com/office/drawing/2014/main" id="{10025439-1820-4FBC-94BA-1E89BC07CA9F}"/>
-              </a:ext>
-            </a:extLst>
-          </p:cNvPr>
-          <p:cNvPicPr>
-            <a:picLocks noChangeAspect="1"/>
-          </p:cNvPicPr>
-          <p:nvPr/>
-        </p:nvPicPr>
-        <p:blipFill>
-          <a:blip r:embed="rId2"/>
-          <a:stretch>
-            <a:fillRect/>
-          </a:stretch>
-        </p:blipFill>
-        <p:spPr>
-          <a:xfrm>
-            <a:off x="801857" y="1445389"/>
-            <a:ext cx="10588284" cy="5060920"/>
-          </a:xfrm>
-          <a:prstGeom prst="rect">
-            <a:avLst/>
-          </a:prstGeom>
-        </p:spPr>
-      </p:pic>
-      <p:sp>
-        <p:nvSpPr>
-          <p:cNvPr id="5" name="TextBox 4">
-            <a:extLst>
-              <a:ext uri="{FF2B5EF4-FFF2-40B4-BE49-F238E27FC236}">
-                <a16:creationId xmlns:a16="http://schemas.microsoft.com/office/drawing/2014/main" id="{E3BDDF37-A03A-4572-90DA-23D5035612A1}"/>
-              </a:ext>
-            </a:extLst>
-          </p:cNvPr>
-          <p:cNvSpPr txBox="1"/>
-          <p:nvPr/>
-        </p:nvSpPr>
-        <p:spPr>
-          <a:xfrm>
-            <a:off x="3255318" y="351691"/>
-            <a:ext cx="5681362" cy="461665"/>
-          </a:xfrm>
-          <a:prstGeom prst="rect">
-            <a:avLst/>
-          </a:prstGeom>
-          <a:noFill/>
-        </p:spPr>
-        <p:txBody>
-          <a:bodyPr wrap="none" rtlCol="0">
-            <a:spAutoFit/>
-          </a:bodyPr>
-          <a:lstStyle/>
-          <a:p>
-            <a:pPr algn="ctr"/>
-            <a:r>
-              <a:rPr lang="en-US" sz="2400" dirty="0">
-                <a:solidFill>
-                  <a:schemeClr val="bg1"/>
-                </a:solidFill>
-                <a:latin typeface="Times New Roman" panose="02020603050405020304" pitchFamily="18" charset="0"/>
-                <a:cs typeface="Times New Roman" panose="02020603050405020304" pitchFamily="18" charset="0"/>
-              </a:rPr>
-              <a:t>In admin panel I have table with all products</a:t>
-            </a:r>
-            <a:endParaRPr lang="ru-RU" sz="2400" dirty="0">
-              <a:solidFill>
-                <a:schemeClr val="bg1"/>
-              </a:solidFill>
-              <a:latin typeface="Times New Roman" panose="02020603050405020304" pitchFamily="18" charset="0"/>
-              <a:cs typeface="Times New Roman" panose="02020603050405020304" pitchFamily="18" charset="0"/>
-            </a:endParaRPr>
-          </a:p>
-        </p:txBody>
-      </p:sp>
-    </p:spTree>
-    <p:extLst>
-      <p:ext uri="{BB962C8B-B14F-4D97-AF65-F5344CB8AC3E}">
-        <p14:creationId xmlns:p14="http://schemas.microsoft.com/office/powerpoint/2010/main" val="3497516268"/>
       </p:ext>
     </p:extLst>
   </p:cSld>
@@ -4354,7 +4538,7 @@
           <p:cNvPr id="3" name="Рисунок 2">
             <a:extLst>
               <a:ext uri="{FF2B5EF4-FFF2-40B4-BE49-F238E27FC236}">
-                <a16:creationId xmlns:a16="http://schemas.microsoft.com/office/drawing/2014/main" id="{70A3DF49-412F-40BA-936A-C615F7405864}"/>
+                <a16:creationId xmlns:a16="http://schemas.microsoft.com/office/drawing/2014/main" id="{10025439-1820-4FBC-94BA-1E89BC07CA9F}"/>
               </a:ext>
             </a:extLst>
           </p:cNvPr>
@@ -4371,8 +4555,8 @@
         </p:blipFill>
         <p:spPr>
           <a:xfrm>
-            <a:off x="495300" y="1225794"/>
-            <a:ext cx="11201400" cy="5391150"/>
+            <a:off x="801857" y="1445389"/>
+            <a:ext cx="10588284" cy="5060920"/>
           </a:xfrm>
           <a:prstGeom prst="rect">
             <a:avLst/>
@@ -4381,10 +4565,10 @@
       </p:pic>
       <p:sp>
         <p:nvSpPr>
-          <p:cNvPr id="4" name="TextBox 3">
-            <a:extLst>
-              <a:ext uri="{FF2B5EF4-FFF2-40B4-BE49-F238E27FC236}">
-                <a16:creationId xmlns:a16="http://schemas.microsoft.com/office/drawing/2014/main" id="{4240E972-DF67-437D-8118-00214DBEB5DF}"/>
+          <p:cNvPr id="5" name="TextBox 4">
+            <a:extLst>
+              <a:ext uri="{FF2B5EF4-FFF2-40B4-BE49-F238E27FC236}">
+                <a16:creationId xmlns:a16="http://schemas.microsoft.com/office/drawing/2014/main" id="{E3BDDF37-A03A-4572-90DA-23D5035612A1}"/>
               </a:ext>
             </a:extLst>
           </p:cNvPr>
@@ -4393,8 +4577,8 @@
         </p:nvSpPr>
         <p:spPr>
           <a:xfrm>
-            <a:off x="4851621" y="241056"/>
-            <a:ext cx="2488758" cy="646331"/>
+            <a:off x="3255318" y="351691"/>
+            <a:ext cx="5681362" cy="461665"/>
           </a:xfrm>
           <a:prstGeom prst="rect">
             <a:avLst/>
@@ -4407,18 +4591,23 @@
           </a:bodyPr>
           <a:lstStyle/>
           <a:p>
-            <a:r>
-              <a:rPr lang="en-US" sz="3600" dirty="0">
+            <a:pPr algn="ctr"/>
+            <a:r>
+              <a:rPr lang="en-US" sz="2400" dirty="0">
                 <a:solidFill>
                   <a:schemeClr val="bg1"/>
                 </a:solidFill>
+                <a:latin typeface="Times New Roman" panose="02020603050405020304" pitchFamily="18" charset="0"/>
+                <a:cs typeface="Times New Roman" panose="02020603050405020304" pitchFamily="18" charset="0"/>
               </a:rPr>
-              <a:t>Product edit</a:t>
-            </a:r>
-            <a:endParaRPr lang="ru-RU" sz="3600" dirty="0">
+              <a:t>In admin panel I have table with all products</a:t>
+            </a:r>
+            <a:endParaRPr lang="ru-RU" sz="2400" dirty="0">
               <a:solidFill>
                 <a:schemeClr val="bg1"/>
               </a:solidFill>
+              <a:latin typeface="Times New Roman" panose="02020603050405020304" pitchFamily="18" charset="0"/>
+              <a:cs typeface="Times New Roman" panose="02020603050405020304" pitchFamily="18" charset="0"/>
             </a:endParaRPr>
           </a:p>
         </p:txBody>
@@ -4426,7 +4615,7 @@
     </p:spTree>
     <p:extLst>
       <p:ext uri="{BB962C8B-B14F-4D97-AF65-F5344CB8AC3E}">
-        <p14:creationId xmlns:p14="http://schemas.microsoft.com/office/powerpoint/2010/main" val="1218235188"/>
+        <p14:creationId xmlns:p14="http://schemas.microsoft.com/office/powerpoint/2010/main" val="3497516268"/>
       </p:ext>
     </p:extLst>
   </p:cSld>
@@ -4458,7 +4647,7 @@
           <p:cNvPr id="3" name="Рисунок 2">
             <a:extLst>
               <a:ext uri="{FF2B5EF4-FFF2-40B4-BE49-F238E27FC236}">
-                <a16:creationId xmlns:a16="http://schemas.microsoft.com/office/drawing/2014/main" id="{982C1570-4104-421D-BF05-86CCE721058F}"/>
+                <a16:creationId xmlns:a16="http://schemas.microsoft.com/office/drawing/2014/main" id="{70A3DF49-412F-40BA-936A-C615F7405864}"/>
               </a:ext>
             </a:extLst>
           </p:cNvPr>
@@ -4475,8 +4664,8 @@
         </p:blipFill>
         <p:spPr>
           <a:xfrm>
-            <a:off x="400050" y="1032949"/>
-            <a:ext cx="11391900" cy="5467350"/>
+            <a:off x="495300" y="1225794"/>
+            <a:ext cx="11201400" cy="5391150"/>
           </a:xfrm>
           <a:prstGeom prst="rect">
             <a:avLst/>
@@ -4488,7 +4677,7 @@
           <p:cNvPr id="4" name="TextBox 3">
             <a:extLst>
               <a:ext uri="{FF2B5EF4-FFF2-40B4-BE49-F238E27FC236}">
-                <a16:creationId xmlns:a16="http://schemas.microsoft.com/office/drawing/2014/main" id="{0066A4A7-6844-47C1-BE4E-0B2927C728BF}"/>
+                <a16:creationId xmlns:a16="http://schemas.microsoft.com/office/drawing/2014/main" id="{4240E972-DF67-437D-8118-00214DBEB5DF}"/>
               </a:ext>
             </a:extLst>
           </p:cNvPr>
@@ -4497,8 +4686,8 @@
         </p:nvSpPr>
         <p:spPr>
           <a:xfrm>
-            <a:off x="3891133" y="357701"/>
-            <a:ext cx="4409733" cy="523220"/>
+            <a:off x="4851621" y="241056"/>
+            <a:ext cx="2488758" cy="646331"/>
           </a:xfrm>
           <a:prstGeom prst="rect">
             <a:avLst/>
@@ -4512,14 +4701,14 @@
           <a:lstStyle/>
           <a:p>
             <a:r>
-              <a:rPr lang="en-US" sz="2800" dirty="0">
+              <a:rPr lang="en-US" sz="3600" dirty="0">
                 <a:solidFill>
                   <a:schemeClr val="bg1"/>
                 </a:solidFill>
               </a:rPr>
-              <a:t>Create and edit all categories</a:t>
-            </a:r>
-            <a:endParaRPr lang="ru-RU" sz="2800" dirty="0">
+              <a:t>Product edit</a:t>
+            </a:r>
+            <a:endParaRPr lang="ru-RU" sz="3600" dirty="0">
               <a:solidFill>
                 <a:schemeClr val="bg1"/>
               </a:solidFill>
@@ -4530,7 +4719,7 @@
     </p:spTree>
     <p:extLst>
       <p:ext uri="{BB962C8B-B14F-4D97-AF65-F5344CB8AC3E}">
-        <p14:creationId xmlns:p14="http://schemas.microsoft.com/office/powerpoint/2010/main" val="2277533489"/>
+        <p14:creationId xmlns:p14="http://schemas.microsoft.com/office/powerpoint/2010/main" val="1218235188"/>
       </p:ext>
     </p:extLst>
   </p:cSld>
